--- a/documents/react.pptx
+++ b/documents/react.pptx
@@ -115,6 +115,11 @@
       </a:defRPr>
     </a:lvl9pPr>
   </p:defaultTextStyle>
+  <p:extLst>
+    <p:ext uri="{EFAFB233-063F-42B5-8137-9DF3F51BA10A}">
+      <p15:sldGuideLst xmlns:p15="http://schemas.microsoft.com/office/powerpoint/2012/main"/>
+    </p:ext>
+  </p:extLst>
 </p:presentation>
 </file>
 
@@ -249,7 +254,7 @@
           <a:p>
             <a:fld id="{804407A2-23EF-49C5-8128-F15B7ABA259B}" type="datetimeFigureOut">
               <a:rPr lang="en-US" smtClean="0"/>
-              <a:t>3/7/2019</a:t>
+              <a:t>3/8/2019</a:t>
             </a:fld>
             <a:endParaRPr lang="en-US"/>
           </a:p>
@@ -419,7 +424,7 @@
           <a:p>
             <a:fld id="{804407A2-23EF-49C5-8128-F15B7ABA259B}" type="datetimeFigureOut">
               <a:rPr lang="en-US" smtClean="0"/>
-              <a:t>3/7/2019</a:t>
+              <a:t>3/8/2019</a:t>
             </a:fld>
             <a:endParaRPr lang="en-US"/>
           </a:p>
@@ -599,7 +604,7 @@
           <a:p>
             <a:fld id="{804407A2-23EF-49C5-8128-F15B7ABA259B}" type="datetimeFigureOut">
               <a:rPr lang="en-US" smtClean="0"/>
-              <a:t>3/7/2019</a:t>
+              <a:t>3/8/2019</a:t>
             </a:fld>
             <a:endParaRPr lang="en-US"/>
           </a:p>
@@ -769,7 +774,7 @@
           <a:p>
             <a:fld id="{804407A2-23EF-49C5-8128-F15B7ABA259B}" type="datetimeFigureOut">
               <a:rPr lang="en-US" smtClean="0"/>
-              <a:t>3/7/2019</a:t>
+              <a:t>3/8/2019</a:t>
             </a:fld>
             <a:endParaRPr lang="en-US"/>
           </a:p>
@@ -1015,7 +1020,7 @@
           <a:p>
             <a:fld id="{804407A2-23EF-49C5-8128-F15B7ABA259B}" type="datetimeFigureOut">
               <a:rPr lang="en-US" smtClean="0"/>
-              <a:t>3/7/2019</a:t>
+              <a:t>3/8/2019</a:t>
             </a:fld>
             <a:endParaRPr lang="en-US"/>
           </a:p>
@@ -1247,7 +1252,7 @@
           <a:p>
             <a:fld id="{804407A2-23EF-49C5-8128-F15B7ABA259B}" type="datetimeFigureOut">
               <a:rPr lang="en-US" smtClean="0"/>
-              <a:t>3/7/2019</a:t>
+              <a:t>3/8/2019</a:t>
             </a:fld>
             <a:endParaRPr lang="en-US"/>
           </a:p>
@@ -1614,7 +1619,7 @@
           <a:p>
             <a:fld id="{804407A2-23EF-49C5-8128-F15B7ABA259B}" type="datetimeFigureOut">
               <a:rPr lang="en-US" smtClean="0"/>
-              <a:t>3/7/2019</a:t>
+              <a:t>3/8/2019</a:t>
             </a:fld>
             <a:endParaRPr lang="en-US"/>
           </a:p>
@@ -1732,7 +1737,7 @@
           <a:p>
             <a:fld id="{804407A2-23EF-49C5-8128-F15B7ABA259B}" type="datetimeFigureOut">
               <a:rPr lang="en-US" smtClean="0"/>
-              <a:t>3/7/2019</a:t>
+              <a:t>3/8/2019</a:t>
             </a:fld>
             <a:endParaRPr lang="en-US"/>
           </a:p>
@@ -1827,7 +1832,7 @@
           <a:p>
             <a:fld id="{804407A2-23EF-49C5-8128-F15B7ABA259B}" type="datetimeFigureOut">
               <a:rPr lang="en-US" smtClean="0"/>
-              <a:t>3/7/2019</a:t>
+              <a:t>3/8/2019</a:t>
             </a:fld>
             <a:endParaRPr lang="en-US"/>
           </a:p>
@@ -2104,7 +2109,7 @@
           <a:p>
             <a:fld id="{804407A2-23EF-49C5-8128-F15B7ABA259B}" type="datetimeFigureOut">
               <a:rPr lang="en-US" smtClean="0"/>
-              <a:t>3/7/2019</a:t>
+              <a:t>3/8/2019</a:t>
             </a:fld>
             <a:endParaRPr lang="en-US"/>
           </a:p>
@@ -2361,7 +2366,7 @@
           <a:p>
             <a:fld id="{804407A2-23EF-49C5-8128-F15B7ABA259B}" type="datetimeFigureOut">
               <a:rPr lang="en-US" smtClean="0"/>
-              <a:t>3/7/2019</a:t>
+              <a:t>3/8/2019</a:t>
             </a:fld>
             <a:endParaRPr lang="en-US"/>
           </a:p>
@@ -2574,7 +2579,7 @@
           <a:p>
             <a:fld id="{804407A2-23EF-49C5-8128-F15B7ABA259B}" type="datetimeFigureOut">
               <a:rPr lang="en-US" smtClean="0"/>
-              <a:t>3/7/2019</a:t>
+              <a:t>3/8/2019</a:t>
             </a:fld>
             <a:endParaRPr lang="en-US"/>
           </a:p>

--- a/documents/react.pptx
+++ b/documents/react.pptx
@@ -17,6 +17,7 @@
     <p:sldId id="266" r:id="rId11"/>
     <p:sldId id="264" r:id="rId12"/>
     <p:sldId id="267" r:id="rId13"/>
+    <p:sldId id="268" r:id="rId14"/>
   </p:sldIdLst>
   <p:sldSz cx="12192000" cy="6858000"/>
   <p:notesSz cx="6858000" cy="9144000"/>
@@ -254,7 +255,7 @@
           <a:p>
             <a:fld id="{804407A2-23EF-49C5-8128-F15B7ABA259B}" type="datetimeFigureOut">
               <a:rPr lang="en-US" smtClean="0"/>
-              <a:t>3/8/2019</a:t>
+              <a:t>3/11/2019</a:t>
             </a:fld>
             <a:endParaRPr lang="en-US"/>
           </a:p>
@@ -424,7 +425,7 @@
           <a:p>
             <a:fld id="{804407A2-23EF-49C5-8128-F15B7ABA259B}" type="datetimeFigureOut">
               <a:rPr lang="en-US" smtClean="0"/>
-              <a:t>3/8/2019</a:t>
+              <a:t>3/11/2019</a:t>
             </a:fld>
             <a:endParaRPr lang="en-US"/>
           </a:p>
@@ -604,7 +605,7 @@
           <a:p>
             <a:fld id="{804407A2-23EF-49C5-8128-F15B7ABA259B}" type="datetimeFigureOut">
               <a:rPr lang="en-US" smtClean="0"/>
-              <a:t>3/8/2019</a:t>
+              <a:t>3/11/2019</a:t>
             </a:fld>
             <a:endParaRPr lang="en-US"/>
           </a:p>
@@ -774,7 +775,7 @@
           <a:p>
             <a:fld id="{804407A2-23EF-49C5-8128-F15B7ABA259B}" type="datetimeFigureOut">
               <a:rPr lang="en-US" smtClean="0"/>
-              <a:t>3/8/2019</a:t>
+              <a:t>3/11/2019</a:t>
             </a:fld>
             <a:endParaRPr lang="en-US"/>
           </a:p>
@@ -1020,7 +1021,7 @@
           <a:p>
             <a:fld id="{804407A2-23EF-49C5-8128-F15B7ABA259B}" type="datetimeFigureOut">
               <a:rPr lang="en-US" smtClean="0"/>
-              <a:t>3/8/2019</a:t>
+              <a:t>3/11/2019</a:t>
             </a:fld>
             <a:endParaRPr lang="en-US"/>
           </a:p>
@@ -1252,7 +1253,7 @@
           <a:p>
             <a:fld id="{804407A2-23EF-49C5-8128-F15B7ABA259B}" type="datetimeFigureOut">
               <a:rPr lang="en-US" smtClean="0"/>
-              <a:t>3/8/2019</a:t>
+              <a:t>3/11/2019</a:t>
             </a:fld>
             <a:endParaRPr lang="en-US"/>
           </a:p>
@@ -1619,7 +1620,7 @@
           <a:p>
             <a:fld id="{804407A2-23EF-49C5-8128-F15B7ABA259B}" type="datetimeFigureOut">
               <a:rPr lang="en-US" smtClean="0"/>
-              <a:t>3/8/2019</a:t>
+              <a:t>3/11/2019</a:t>
             </a:fld>
             <a:endParaRPr lang="en-US"/>
           </a:p>
@@ -1737,7 +1738,7 @@
           <a:p>
             <a:fld id="{804407A2-23EF-49C5-8128-F15B7ABA259B}" type="datetimeFigureOut">
               <a:rPr lang="en-US" smtClean="0"/>
-              <a:t>3/8/2019</a:t>
+              <a:t>3/11/2019</a:t>
             </a:fld>
             <a:endParaRPr lang="en-US"/>
           </a:p>
@@ -1832,7 +1833,7 @@
           <a:p>
             <a:fld id="{804407A2-23EF-49C5-8128-F15B7ABA259B}" type="datetimeFigureOut">
               <a:rPr lang="en-US" smtClean="0"/>
-              <a:t>3/8/2019</a:t>
+              <a:t>3/11/2019</a:t>
             </a:fld>
             <a:endParaRPr lang="en-US"/>
           </a:p>
@@ -2109,7 +2110,7 @@
           <a:p>
             <a:fld id="{804407A2-23EF-49C5-8128-F15B7ABA259B}" type="datetimeFigureOut">
               <a:rPr lang="en-US" smtClean="0"/>
-              <a:t>3/8/2019</a:t>
+              <a:t>3/11/2019</a:t>
             </a:fld>
             <a:endParaRPr lang="en-US"/>
           </a:p>
@@ -2366,7 +2367,7 @@
           <a:p>
             <a:fld id="{804407A2-23EF-49C5-8128-F15B7ABA259B}" type="datetimeFigureOut">
               <a:rPr lang="en-US" smtClean="0"/>
-              <a:t>3/8/2019</a:t>
+              <a:t>3/11/2019</a:t>
             </a:fld>
             <a:endParaRPr lang="en-US"/>
           </a:p>
@@ -2579,7 +2580,7 @@
           <a:p>
             <a:fld id="{804407A2-23EF-49C5-8128-F15B7ABA259B}" type="datetimeFigureOut">
               <a:rPr lang="en-US" smtClean="0"/>
-              <a:t>3/8/2019</a:t>
+              <a:t>3/11/2019</a:t>
             </a:fld>
             <a:endParaRPr lang="en-US"/>
           </a:p>
@@ -2989,7 +2990,7 @@
           <p:cNvPr id="4" name="图片 3">
             <a:extLst>
               <a:ext uri="{FF2B5EF4-FFF2-40B4-BE49-F238E27FC236}">
-                <a16:creationId xmlns:a16="http://schemas.microsoft.com/office/drawing/2014/main" id="{F302D2A7-B0E1-4463-A322-6A9E5B9D8E9C}"/>
+                <a16:creationId xmlns:a16="http://schemas.microsoft.com/office/drawing/2014/main" xmlns="" id="{F302D2A7-B0E1-4463-A322-6A9E5B9D8E9C}"/>
               </a:ext>
             </a:extLst>
           </p:cNvPr>
@@ -3049,7 +3050,7 @@
           <p:cNvPr id="2" name="矩形 1">
             <a:extLst>
               <a:ext uri="{FF2B5EF4-FFF2-40B4-BE49-F238E27FC236}">
-                <a16:creationId xmlns:a16="http://schemas.microsoft.com/office/drawing/2014/main" id="{03E28A91-6F28-4914-83B7-FE3E106B7A94}"/>
+                <a16:creationId xmlns:a16="http://schemas.microsoft.com/office/drawing/2014/main" xmlns="" id="{03E28A91-6F28-4914-83B7-FE3E106B7A94}"/>
               </a:ext>
             </a:extLst>
           </p:cNvPr>
@@ -3255,6 +3256,16 @@
             </a:r>
           </a:p>
           <a:p>
+            <a:r>
+              <a:rPr lang="en-US" sz="2400" b="0" dirty="0">
+                <a:solidFill>
+                  <a:srgbClr val="D4D4D4"/>
+                </a:solidFill>
+                <a:effectLst/>
+                <a:latin typeface="Fira Code" panose="020B0509050000020004" pitchFamily="49" charset="0"/>
+              </a:rPr>
+              <a:t/>
+            </a:r>
             <a:br>
               <a:rPr lang="en-US" sz="2400" b="0" dirty="0">
                 <a:solidFill>
@@ -3521,7 +3532,7 @@
           <p:cNvPr id="4" name="矩形 3">
             <a:extLst>
               <a:ext uri="{FF2B5EF4-FFF2-40B4-BE49-F238E27FC236}">
-                <a16:creationId xmlns:a16="http://schemas.microsoft.com/office/drawing/2014/main" id="{BA1DBE00-CDE8-45D9-AB01-AEBD960B005F}"/>
+                <a16:creationId xmlns:a16="http://schemas.microsoft.com/office/drawing/2014/main" xmlns="" id="{BA1DBE00-CDE8-45D9-AB01-AEBD960B005F}"/>
               </a:ext>
             </a:extLst>
           </p:cNvPr>
@@ -3585,7 +3596,7 @@
           <p:cNvPr id="2" name="图片 1">
             <a:extLst>
               <a:ext uri="{FF2B5EF4-FFF2-40B4-BE49-F238E27FC236}">
-                <a16:creationId xmlns:a16="http://schemas.microsoft.com/office/drawing/2014/main" id="{31A8CB90-DED7-49DC-9C49-AB4AE818EDEA}"/>
+                <a16:creationId xmlns:a16="http://schemas.microsoft.com/office/drawing/2014/main" xmlns="" id="{31A8CB90-DED7-49DC-9C49-AB4AE818EDEA}"/>
               </a:ext>
             </a:extLst>
           </p:cNvPr>
@@ -3645,7 +3656,7 @@
           <p:cNvPr id="3" name="图片 2">
             <a:extLst>
               <a:ext uri="{FF2B5EF4-FFF2-40B4-BE49-F238E27FC236}">
-                <a16:creationId xmlns:a16="http://schemas.microsoft.com/office/drawing/2014/main" id="{9249D51D-3725-435A-AC44-55B583987ACD}"/>
+                <a16:creationId xmlns:a16="http://schemas.microsoft.com/office/drawing/2014/main" xmlns="" id="{9249D51D-3725-435A-AC44-55B583987ACD}"/>
               </a:ext>
             </a:extLst>
           </p:cNvPr>
@@ -3683,6 +3694,101 @@
 </p:sld>
 </file>
 
+<file path=ppt/slides/slide13.xml><?xml version="1.0" encoding="utf-8"?>
+<p:sld xmlns:a="http://schemas.openxmlformats.org/drawingml/2006/main" xmlns:r="http://schemas.openxmlformats.org/officeDocument/2006/relationships" xmlns:p="http://schemas.openxmlformats.org/presentationml/2006/main">
+  <p:cSld>
+    <p:spTree>
+      <p:nvGrpSpPr>
+        <p:cNvPr id="1" name=""/>
+        <p:cNvGrpSpPr/>
+        <p:nvPr/>
+      </p:nvGrpSpPr>
+      <p:grpSpPr>
+        <a:xfrm>
+          <a:off x="0" y="0"/>
+          <a:ext cx="0" cy="0"/>
+          <a:chOff x="0" y="0"/>
+          <a:chExt cx="0" cy="0"/>
+        </a:xfrm>
+      </p:grpSpPr>
+      <p:sp>
+        <p:nvSpPr>
+          <p:cNvPr id="4" name="矩形 3">
+            <a:extLst>
+              <a:ext uri="{FF2B5EF4-FFF2-40B4-BE49-F238E27FC236}">
+                <a16:creationId xmlns:a16="http://schemas.microsoft.com/office/drawing/2014/main" xmlns="" id="{BA1DBE00-CDE8-45D9-AB01-AEBD960B005F}"/>
+              </a:ext>
+            </a:extLst>
+          </p:cNvPr>
+          <p:cNvSpPr/>
+          <p:nvPr/>
+        </p:nvSpPr>
+        <p:spPr>
+          <a:xfrm>
+            <a:off x="429986" y="880963"/>
+            <a:ext cx="2063322" cy="707886"/>
+          </a:xfrm>
+          <a:prstGeom prst="rect">
+            <a:avLst/>
+          </a:prstGeom>
+        </p:spPr>
+        <p:txBody>
+          <a:bodyPr wrap="none">
+            <a:spAutoFit/>
+          </a:bodyPr>
+          <a:lstStyle/>
+          <a:p>
+            <a:r>
+              <a:rPr lang="en-US" sz="4000" dirty="0" smtClean="0"/>
+              <a:t>Life cycle</a:t>
+            </a:r>
+            <a:endParaRPr lang="en-US" sz="4000" dirty="0"/>
+          </a:p>
+        </p:txBody>
+      </p:sp>
+      <p:pic>
+        <p:nvPicPr>
+          <p:cNvPr id="2" name="图片 1"/>
+          <p:cNvPicPr>
+            <a:picLocks noChangeAspect="1"/>
+          </p:cNvPicPr>
+          <p:nvPr/>
+        </p:nvPicPr>
+        <p:blipFill>
+          <a:blip r:embed="rId2">
+            <a:extLst>
+              <a:ext uri="{28A0092B-C50C-407E-A947-70E740481C1C}">
+                <a14:useLocalDpi xmlns:a14="http://schemas.microsoft.com/office/drawing/2010/main" val="0"/>
+              </a:ext>
+            </a:extLst>
+          </a:blip>
+          <a:stretch>
+            <a:fillRect/>
+          </a:stretch>
+        </p:blipFill>
+        <p:spPr>
+          <a:xfrm>
+            <a:off x="1733004" y="1674205"/>
+            <a:ext cx="8447315" cy="4757333"/>
+          </a:xfrm>
+          <a:prstGeom prst="rect">
+            <a:avLst/>
+          </a:prstGeom>
+        </p:spPr>
+      </p:pic>
+    </p:spTree>
+    <p:extLst>
+      <p:ext uri="{BB962C8B-B14F-4D97-AF65-F5344CB8AC3E}">
+        <p14:creationId xmlns:p14="http://schemas.microsoft.com/office/powerpoint/2010/main" val="3018439646"/>
+      </p:ext>
+    </p:extLst>
+  </p:cSld>
+  <p:clrMapOvr>
+    <a:masterClrMapping/>
+  </p:clrMapOvr>
+</p:sld>
+</file>
+
 <file path=ppt/slides/slide2.xml><?xml version="1.0" encoding="utf-8"?>
 <p:sld xmlns:a="http://schemas.openxmlformats.org/drawingml/2006/main" xmlns:r="http://schemas.openxmlformats.org/officeDocument/2006/relationships" xmlns:p="http://schemas.openxmlformats.org/presentationml/2006/main">
   <p:cSld>
@@ -3705,7 +3811,7 @@
           <p:cNvPr id="2" name="图片 1">
             <a:extLst>
               <a:ext uri="{FF2B5EF4-FFF2-40B4-BE49-F238E27FC236}">
-                <a16:creationId xmlns:a16="http://schemas.microsoft.com/office/drawing/2014/main" id="{F51075CE-680D-49C7-86DD-994A800EB58A}"/>
+                <a16:creationId xmlns:a16="http://schemas.microsoft.com/office/drawing/2014/main" xmlns="" id="{F51075CE-680D-49C7-86DD-994A800EB58A}"/>
               </a:ext>
             </a:extLst>
           </p:cNvPr>
@@ -3765,7 +3871,7 @@
           <p:cNvPr id="3" name="图片 2">
             <a:extLst>
               <a:ext uri="{FF2B5EF4-FFF2-40B4-BE49-F238E27FC236}">
-                <a16:creationId xmlns:a16="http://schemas.microsoft.com/office/drawing/2014/main" id="{20E63A52-6718-4A13-93B7-3E314F4AF782}"/>
+                <a16:creationId xmlns:a16="http://schemas.microsoft.com/office/drawing/2014/main" xmlns="" id="{20E63A52-6718-4A13-93B7-3E314F4AF782}"/>
               </a:ext>
             </a:extLst>
           </p:cNvPr>
@@ -3825,7 +3931,7 @@
           <p:cNvPr id="2" name="图片 1">
             <a:extLst>
               <a:ext uri="{FF2B5EF4-FFF2-40B4-BE49-F238E27FC236}">
-                <a16:creationId xmlns:a16="http://schemas.microsoft.com/office/drawing/2014/main" id="{F5BB5D40-B05A-4C3C-B5F0-957C4D5CE1F2}"/>
+                <a16:creationId xmlns:a16="http://schemas.microsoft.com/office/drawing/2014/main" xmlns="" id="{F5BB5D40-B05A-4C3C-B5F0-957C4D5CE1F2}"/>
               </a:ext>
             </a:extLst>
           </p:cNvPr>
@@ -3885,7 +3991,7 @@
           <p:cNvPr id="3" name="图片 2">
             <a:extLst>
               <a:ext uri="{FF2B5EF4-FFF2-40B4-BE49-F238E27FC236}">
-                <a16:creationId xmlns:a16="http://schemas.microsoft.com/office/drawing/2014/main" id="{A94A0126-6843-48B2-A9D8-81FDF0C841DB}"/>
+                <a16:creationId xmlns:a16="http://schemas.microsoft.com/office/drawing/2014/main" xmlns="" id="{A94A0126-6843-48B2-A9D8-81FDF0C841DB}"/>
               </a:ext>
             </a:extLst>
           </p:cNvPr>
@@ -3945,7 +4051,7 @@
           <p:cNvPr id="2" name="图片 1">
             <a:extLst>
               <a:ext uri="{FF2B5EF4-FFF2-40B4-BE49-F238E27FC236}">
-                <a16:creationId xmlns:a16="http://schemas.microsoft.com/office/drawing/2014/main" id="{78593493-B98B-42BA-BDF1-E73C4000D92F}"/>
+                <a16:creationId xmlns:a16="http://schemas.microsoft.com/office/drawing/2014/main" xmlns="" id="{78593493-B98B-42BA-BDF1-E73C4000D92F}"/>
               </a:ext>
             </a:extLst>
           </p:cNvPr>
@@ -4005,7 +4111,7 @@
           <p:cNvPr id="2" name="图片 1">
             <a:extLst>
               <a:ext uri="{FF2B5EF4-FFF2-40B4-BE49-F238E27FC236}">
-                <a16:creationId xmlns:a16="http://schemas.microsoft.com/office/drawing/2014/main" id="{78593493-B98B-42BA-BDF1-E73C4000D92F}"/>
+                <a16:creationId xmlns:a16="http://schemas.microsoft.com/office/drawing/2014/main" xmlns="" id="{78593493-B98B-42BA-BDF1-E73C4000D92F}"/>
               </a:ext>
             </a:extLst>
           </p:cNvPr>
@@ -4065,7 +4171,7 @@
           <p:cNvPr id="3" name="图片 2">
             <a:extLst>
               <a:ext uri="{FF2B5EF4-FFF2-40B4-BE49-F238E27FC236}">
-                <a16:creationId xmlns:a16="http://schemas.microsoft.com/office/drawing/2014/main" id="{35106E90-F525-429D-AC80-F864AB1C878C}"/>
+                <a16:creationId xmlns:a16="http://schemas.microsoft.com/office/drawing/2014/main" xmlns="" id="{35106E90-F525-429D-AC80-F864AB1C878C}"/>
               </a:ext>
             </a:extLst>
           </p:cNvPr>
@@ -4125,7 +4231,7 @@
           <p:cNvPr id="3" name="图片 2">
             <a:extLst>
               <a:ext uri="{FF2B5EF4-FFF2-40B4-BE49-F238E27FC236}">
-                <a16:creationId xmlns:a16="http://schemas.microsoft.com/office/drawing/2014/main" id="{F8BAC9F4-5A8A-4EE4-B631-8BC45E03E8FA}"/>
+                <a16:creationId xmlns:a16="http://schemas.microsoft.com/office/drawing/2014/main" xmlns="" id="{F8BAC9F4-5A8A-4EE4-B631-8BC45E03E8FA}"/>
               </a:ext>
             </a:extLst>
           </p:cNvPr>

--- a/documents/react.pptx
+++ b/documents/react.pptx
@@ -18,6 +18,7 @@
     <p:sldId id="264" r:id="rId12"/>
     <p:sldId id="267" r:id="rId13"/>
     <p:sldId id="268" r:id="rId14"/>
+    <p:sldId id="269" r:id="rId15"/>
   </p:sldIdLst>
   <p:sldSz cx="12192000" cy="6858000"/>
   <p:notesSz cx="6858000" cy="9144000"/>
@@ -2990,7 +2991,7 @@
           <p:cNvPr id="4" name="图片 3">
             <a:extLst>
               <a:ext uri="{FF2B5EF4-FFF2-40B4-BE49-F238E27FC236}">
-                <a16:creationId xmlns:a16="http://schemas.microsoft.com/office/drawing/2014/main" xmlns="" id="{F302D2A7-B0E1-4463-A322-6A9E5B9D8E9C}"/>
+                <a16:creationId xmlns="" xmlns:a16="http://schemas.microsoft.com/office/drawing/2014/main" id="{F302D2A7-B0E1-4463-A322-6A9E5B9D8E9C}"/>
               </a:ext>
             </a:extLst>
           </p:cNvPr>
@@ -3050,7 +3051,7 @@
           <p:cNvPr id="2" name="矩形 1">
             <a:extLst>
               <a:ext uri="{FF2B5EF4-FFF2-40B4-BE49-F238E27FC236}">
-                <a16:creationId xmlns:a16="http://schemas.microsoft.com/office/drawing/2014/main" xmlns="" id="{03E28A91-6F28-4914-83B7-FE3E106B7A94}"/>
+                <a16:creationId xmlns="" xmlns:a16="http://schemas.microsoft.com/office/drawing/2014/main" id="{03E28A91-6F28-4914-83B7-FE3E106B7A94}"/>
               </a:ext>
             </a:extLst>
           </p:cNvPr>
@@ -3532,7 +3533,7 @@
           <p:cNvPr id="4" name="矩形 3">
             <a:extLst>
               <a:ext uri="{FF2B5EF4-FFF2-40B4-BE49-F238E27FC236}">
-                <a16:creationId xmlns:a16="http://schemas.microsoft.com/office/drawing/2014/main" xmlns="" id="{BA1DBE00-CDE8-45D9-AB01-AEBD960B005F}"/>
+                <a16:creationId xmlns="" xmlns:a16="http://schemas.microsoft.com/office/drawing/2014/main" id="{BA1DBE00-CDE8-45D9-AB01-AEBD960B005F}"/>
               </a:ext>
             </a:extLst>
           </p:cNvPr>
@@ -3596,7 +3597,7 @@
           <p:cNvPr id="2" name="图片 1">
             <a:extLst>
               <a:ext uri="{FF2B5EF4-FFF2-40B4-BE49-F238E27FC236}">
-                <a16:creationId xmlns:a16="http://schemas.microsoft.com/office/drawing/2014/main" xmlns="" id="{31A8CB90-DED7-49DC-9C49-AB4AE818EDEA}"/>
+                <a16:creationId xmlns="" xmlns:a16="http://schemas.microsoft.com/office/drawing/2014/main" id="{31A8CB90-DED7-49DC-9C49-AB4AE818EDEA}"/>
               </a:ext>
             </a:extLst>
           </p:cNvPr>
@@ -3656,7 +3657,7 @@
           <p:cNvPr id="3" name="图片 2">
             <a:extLst>
               <a:ext uri="{FF2B5EF4-FFF2-40B4-BE49-F238E27FC236}">
-                <a16:creationId xmlns:a16="http://schemas.microsoft.com/office/drawing/2014/main" xmlns="" id="{9249D51D-3725-435A-AC44-55B583987ACD}"/>
+                <a16:creationId xmlns="" xmlns:a16="http://schemas.microsoft.com/office/drawing/2014/main" id="{9249D51D-3725-435A-AC44-55B583987ACD}"/>
               </a:ext>
             </a:extLst>
           </p:cNvPr>
@@ -3716,7 +3717,7 @@
           <p:cNvPr id="4" name="矩形 3">
             <a:extLst>
               <a:ext uri="{FF2B5EF4-FFF2-40B4-BE49-F238E27FC236}">
-                <a16:creationId xmlns:a16="http://schemas.microsoft.com/office/drawing/2014/main" xmlns="" id="{BA1DBE00-CDE8-45D9-AB01-AEBD960B005F}"/>
+                <a16:creationId xmlns="" xmlns:a16="http://schemas.microsoft.com/office/drawing/2014/main" id="{BA1DBE00-CDE8-45D9-AB01-AEBD960B005F}"/>
               </a:ext>
             </a:extLst>
           </p:cNvPr>
@@ -3789,6 +3790,66 @@
 </p:sld>
 </file>
 
+<file path=ppt/slides/slide14.xml><?xml version="1.0" encoding="utf-8"?>
+<p:sld xmlns:a="http://schemas.openxmlformats.org/drawingml/2006/main" xmlns:r="http://schemas.openxmlformats.org/officeDocument/2006/relationships" xmlns:p="http://schemas.openxmlformats.org/presentationml/2006/main">
+  <p:cSld>
+    <p:spTree>
+      <p:nvGrpSpPr>
+        <p:cNvPr id="1" name=""/>
+        <p:cNvGrpSpPr/>
+        <p:nvPr/>
+      </p:nvGrpSpPr>
+      <p:grpSpPr>
+        <a:xfrm>
+          <a:off x="0" y="0"/>
+          <a:ext cx="0" cy="0"/>
+          <a:chOff x="0" y="0"/>
+          <a:chExt cx="0" cy="0"/>
+        </a:xfrm>
+      </p:grpSpPr>
+      <p:pic>
+        <p:nvPicPr>
+          <p:cNvPr id="5" name="图片 4"/>
+          <p:cNvPicPr>
+            <a:picLocks noChangeAspect="1"/>
+          </p:cNvPicPr>
+          <p:nvPr/>
+        </p:nvPicPr>
+        <p:blipFill>
+          <a:blip r:embed="rId2">
+            <a:extLst>
+              <a:ext uri="{28A0092B-C50C-407E-A947-70E740481C1C}">
+                <a14:useLocalDpi xmlns:a14="http://schemas.microsoft.com/office/drawing/2010/main" val="0"/>
+              </a:ext>
+            </a:extLst>
+          </a:blip>
+          <a:stretch>
+            <a:fillRect/>
+          </a:stretch>
+        </p:blipFill>
+        <p:spPr>
+          <a:xfrm>
+            <a:off x="1820452" y="1012371"/>
+            <a:ext cx="8253533" cy="4648199"/>
+          </a:xfrm>
+          <a:prstGeom prst="rect">
+            <a:avLst/>
+          </a:prstGeom>
+        </p:spPr>
+      </p:pic>
+    </p:spTree>
+    <p:extLst>
+      <p:ext uri="{BB962C8B-B14F-4D97-AF65-F5344CB8AC3E}">
+        <p14:creationId xmlns:p14="http://schemas.microsoft.com/office/powerpoint/2010/main" val="68594856"/>
+      </p:ext>
+    </p:extLst>
+  </p:cSld>
+  <p:clrMapOvr>
+    <a:masterClrMapping/>
+  </p:clrMapOvr>
+</p:sld>
+</file>
+
 <file path=ppt/slides/slide2.xml><?xml version="1.0" encoding="utf-8"?>
 <p:sld xmlns:a="http://schemas.openxmlformats.org/drawingml/2006/main" xmlns:r="http://schemas.openxmlformats.org/officeDocument/2006/relationships" xmlns:p="http://schemas.openxmlformats.org/presentationml/2006/main">
   <p:cSld>
@@ -3811,7 +3872,7 @@
           <p:cNvPr id="2" name="图片 1">
             <a:extLst>
               <a:ext uri="{FF2B5EF4-FFF2-40B4-BE49-F238E27FC236}">
-                <a16:creationId xmlns:a16="http://schemas.microsoft.com/office/drawing/2014/main" xmlns="" id="{F51075CE-680D-49C7-86DD-994A800EB58A}"/>
+                <a16:creationId xmlns="" xmlns:a16="http://schemas.microsoft.com/office/drawing/2014/main" id="{F51075CE-680D-49C7-86DD-994A800EB58A}"/>
               </a:ext>
             </a:extLst>
           </p:cNvPr>
@@ -3871,7 +3932,7 @@
           <p:cNvPr id="3" name="图片 2">
             <a:extLst>
               <a:ext uri="{FF2B5EF4-FFF2-40B4-BE49-F238E27FC236}">
-                <a16:creationId xmlns:a16="http://schemas.microsoft.com/office/drawing/2014/main" xmlns="" id="{20E63A52-6718-4A13-93B7-3E314F4AF782}"/>
+                <a16:creationId xmlns="" xmlns:a16="http://schemas.microsoft.com/office/drawing/2014/main" id="{20E63A52-6718-4A13-93B7-3E314F4AF782}"/>
               </a:ext>
             </a:extLst>
           </p:cNvPr>
@@ -3931,7 +3992,7 @@
           <p:cNvPr id="2" name="图片 1">
             <a:extLst>
               <a:ext uri="{FF2B5EF4-FFF2-40B4-BE49-F238E27FC236}">
-                <a16:creationId xmlns:a16="http://schemas.microsoft.com/office/drawing/2014/main" xmlns="" id="{F5BB5D40-B05A-4C3C-B5F0-957C4D5CE1F2}"/>
+                <a16:creationId xmlns="" xmlns:a16="http://schemas.microsoft.com/office/drawing/2014/main" id="{F5BB5D40-B05A-4C3C-B5F0-957C4D5CE1F2}"/>
               </a:ext>
             </a:extLst>
           </p:cNvPr>
@@ -3991,7 +4052,7 @@
           <p:cNvPr id="3" name="图片 2">
             <a:extLst>
               <a:ext uri="{FF2B5EF4-FFF2-40B4-BE49-F238E27FC236}">
-                <a16:creationId xmlns:a16="http://schemas.microsoft.com/office/drawing/2014/main" xmlns="" id="{A94A0126-6843-48B2-A9D8-81FDF0C841DB}"/>
+                <a16:creationId xmlns="" xmlns:a16="http://schemas.microsoft.com/office/drawing/2014/main" id="{A94A0126-6843-48B2-A9D8-81FDF0C841DB}"/>
               </a:ext>
             </a:extLst>
           </p:cNvPr>
@@ -4051,7 +4112,7 @@
           <p:cNvPr id="2" name="图片 1">
             <a:extLst>
               <a:ext uri="{FF2B5EF4-FFF2-40B4-BE49-F238E27FC236}">
-                <a16:creationId xmlns:a16="http://schemas.microsoft.com/office/drawing/2014/main" xmlns="" id="{78593493-B98B-42BA-BDF1-E73C4000D92F}"/>
+                <a16:creationId xmlns="" xmlns:a16="http://schemas.microsoft.com/office/drawing/2014/main" id="{78593493-B98B-42BA-BDF1-E73C4000D92F}"/>
               </a:ext>
             </a:extLst>
           </p:cNvPr>
@@ -4111,7 +4172,7 @@
           <p:cNvPr id="2" name="图片 1">
             <a:extLst>
               <a:ext uri="{FF2B5EF4-FFF2-40B4-BE49-F238E27FC236}">
-                <a16:creationId xmlns:a16="http://schemas.microsoft.com/office/drawing/2014/main" xmlns="" id="{78593493-B98B-42BA-BDF1-E73C4000D92F}"/>
+                <a16:creationId xmlns="" xmlns:a16="http://schemas.microsoft.com/office/drawing/2014/main" id="{78593493-B98B-42BA-BDF1-E73C4000D92F}"/>
               </a:ext>
             </a:extLst>
           </p:cNvPr>
@@ -4171,7 +4232,7 @@
           <p:cNvPr id="3" name="图片 2">
             <a:extLst>
               <a:ext uri="{FF2B5EF4-FFF2-40B4-BE49-F238E27FC236}">
-                <a16:creationId xmlns:a16="http://schemas.microsoft.com/office/drawing/2014/main" xmlns="" id="{35106E90-F525-429D-AC80-F864AB1C878C}"/>
+                <a16:creationId xmlns="" xmlns:a16="http://schemas.microsoft.com/office/drawing/2014/main" id="{35106E90-F525-429D-AC80-F864AB1C878C}"/>
               </a:ext>
             </a:extLst>
           </p:cNvPr>
@@ -4231,7 +4292,7 @@
           <p:cNvPr id="3" name="图片 2">
             <a:extLst>
               <a:ext uri="{FF2B5EF4-FFF2-40B4-BE49-F238E27FC236}">
-                <a16:creationId xmlns:a16="http://schemas.microsoft.com/office/drawing/2014/main" xmlns="" id="{F8BAC9F4-5A8A-4EE4-B631-8BC45E03E8FA}"/>
+                <a16:creationId xmlns="" xmlns:a16="http://schemas.microsoft.com/office/drawing/2014/main" id="{F8BAC9F4-5A8A-4EE4-B631-8BC45E03E8FA}"/>
               </a:ext>
             </a:extLst>
           </p:cNvPr>

--- a/documents/react.pptx
+++ b/documents/react.pptx
@@ -19,6 +19,7 @@
     <p:sldId id="267" r:id="rId13"/>
     <p:sldId id="268" r:id="rId14"/>
     <p:sldId id="269" r:id="rId15"/>
+    <p:sldId id="270" r:id="rId16"/>
   </p:sldIdLst>
   <p:sldSz cx="12192000" cy="6858000"/>
   <p:notesSz cx="6858000" cy="9144000"/>
@@ -3841,6 +3842,101 @@
     <p:extLst>
       <p:ext uri="{BB962C8B-B14F-4D97-AF65-F5344CB8AC3E}">
         <p14:creationId xmlns:p14="http://schemas.microsoft.com/office/powerpoint/2010/main" val="68594856"/>
+      </p:ext>
+    </p:extLst>
+  </p:cSld>
+  <p:clrMapOvr>
+    <a:masterClrMapping/>
+  </p:clrMapOvr>
+</p:sld>
+</file>
+
+<file path=ppt/slides/slide15.xml><?xml version="1.0" encoding="utf-8"?>
+<p:sld xmlns:a="http://schemas.openxmlformats.org/drawingml/2006/main" xmlns:r="http://schemas.openxmlformats.org/officeDocument/2006/relationships" xmlns:p="http://schemas.openxmlformats.org/presentationml/2006/main">
+  <p:cSld>
+    <p:spTree>
+      <p:nvGrpSpPr>
+        <p:cNvPr id="1" name=""/>
+        <p:cNvGrpSpPr/>
+        <p:nvPr/>
+      </p:nvGrpSpPr>
+      <p:grpSpPr>
+        <a:xfrm>
+          <a:off x="0" y="0"/>
+          <a:ext cx="0" cy="0"/>
+          <a:chOff x="0" y="0"/>
+          <a:chExt cx="0" cy="0"/>
+        </a:xfrm>
+      </p:grpSpPr>
+      <p:pic>
+        <p:nvPicPr>
+          <p:cNvPr id="2" name="图片 1"/>
+          <p:cNvPicPr>
+            <a:picLocks noChangeAspect="1"/>
+          </p:cNvPicPr>
+          <p:nvPr/>
+        </p:nvPicPr>
+        <p:blipFill>
+          <a:blip r:embed="rId2">
+            <a:extLst>
+              <a:ext uri="{28A0092B-C50C-407E-A947-70E740481C1C}">
+                <a14:useLocalDpi xmlns:a14="http://schemas.microsoft.com/office/drawing/2010/main" val="0"/>
+              </a:ext>
+            </a:extLst>
+          </a:blip>
+          <a:stretch>
+            <a:fillRect/>
+          </a:stretch>
+        </p:blipFill>
+        <p:spPr>
+          <a:xfrm>
+            <a:off x="2307771" y="2032768"/>
+            <a:ext cx="6940368" cy="3908655"/>
+          </a:xfrm>
+          <a:prstGeom prst="rect">
+            <a:avLst/>
+          </a:prstGeom>
+        </p:spPr>
+      </p:pic>
+      <p:sp>
+        <p:nvSpPr>
+          <p:cNvPr id="3" name="矩形 2">
+            <a:extLst>
+              <a:ext uri="{FF2B5EF4-FFF2-40B4-BE49-F238E27FC236}">
+                <a16:creationId xmlns="" xmlns:a16="http://schemas.microsoft.com/office/drawing/2014/main" id="{BA1DBE00-CDE8-45D9-AB01-AEBD960B005F}"/>
+              </a:ext>
+            </a:extLst>
+          </p:cNvPr>
+          <p:cNvSpPr/>
+          <p:nvPr/>
+        </p:nvSpPr>
+        <p:spPr>
+          <a:xfrm>
+            <a:off x="429986" y="880963"/>
+            <a:ext cx="2472921" cy="707886"/>
+          </a:xfrm>
+          <a:prstGeom prst="rect">
+            <a:avLst/>
+          </a:prstGeom>
+        </p:spPr>
+        <p:txBody>
+          <a:bodyPr wrap="none">
+            <a:spAutoFit/>
+          </a:bodyPr>
+          <a:lstStyle/>
+          <a:p>
+            <a:r>
+              <a:rPr lang="en-US" sz="4000" dirty="0" smtClean="0"/>
+              <a:t>Type check</a:t>
+            </a:r>
+            <a:endParaRPr lang="en-US" sz="4000" dirty="0"/>
+          </a:p>
+        </p:txBody>
+      </p:sp>
+    </p:spTree>
+    <p:extLst>
+      <p:ext uri="{BB962C8B-B14F-4D97-AF65-F5344CB8AC3E}">
+        <p14:creationId xmlns:p14="http://schemas.microsoft.com/office/powerpoint/2010/main" val="2231984315"/>
       </p:ext>
     </p:extLst>
   </p:cSld>

--- a/documents/react.pptx
+++ b/documents/react.pptx
@@ -20,6 +20,9 @@
     <p:sldId id="268" r:id="rId14"/>
     <p:sldId id="269" r:id="rId15"/>
     <p:sldId id="270" r:id="rId16"/>
+    <p:sldId id="271" r:id="rId17"/>
+    <p:sldId id="272" r:id="rId18"/>
+    <p:sldId id="273" r:id="rId19"/>
   </p:sldIdLst>
   <p:sldSz cx="12192000" cy="6858000"/>
   <p:notesSz cx="6858000" cy="9144000"/>
@@ -257,7 +260,7 @@
           <a:p>
             <a:fld id="{804407A2-23EF-49C5-8128-F15B7ABA259B}" type="datetimeFigureOut">
               <a:rPr lang="en-US" smtClean="0"/>
-              <a:t>3/11/2019</a:t>
+              <a:t>3/12/2019</a:t>
             </a:fld>
             <a:endParaRPr lang="en-US"/>
           </a:p>
@@ -427,7 +430,7 @@
           <a:p>
             <a:fld id="{804407A2-23EF-49C5-8128-F15B7ABA259B}" type="datetimeFigureOut">
               <a:rPr lang="en-US" smtClean="0"/>
-              <a:t>3/11/2019</a:t>
+              <a:t>3/12/2019</a:t>
             </a:fld>
             <a:endParaRPr lang="en-US"/>
           </a:p>
@@ -607,7 +610,7 @@
           <a:p>
             <a:fld id="{804407A2-23EF-49C5-8128-F15B7ABA259B}" type="datetimeFigureOut">
               <a:rPr lang="en-US" smtClean="0"/>
-              <a:t>3/11/2019</a:t>
+              <a:t>3/12/2019</a:t>
             </a:fld>
             <a:endParaRPr lang="en-US"/>
           </a:p>
@@ -777,7 +780,7 @@
           <a:p>
             <a:fld id="{804407A2-23EF-49C5-8128-F15B7ABA259B}" type="datetimeFigureOut">
               <a:rPr lang="en-US" smtClean="0"/>
-              <a:t>3/11/2019</a:t>
+              <a:t>3/12/2019</a:t>
             </a:fld>
             <a:endParaRPr lang="en-US"/>
           </a:p>
@@ -1023,7 +1026,7 @@
           <a:p>
             <a:fld id="{804407A2-23EF-49C5-8128-F15B7ABA259B}" type="datetimeFigureOut">
               <a:rPr lang="en-US" smtClean="0"/>
-              <a:t>3/11/2019</a:t>
+              <a:t>3/12/2019</a:t>
             </a:fld>
             <a:endParaRPr lang="en-US"/>
           </a:p>
@@ -1255,7 +1258,7 @@
           <a:p>
             <a:fld id="{804407A2-23EF-49C5-8128-F15B7ABA259B}" type="datetimeFigureOut">
               <a:rPr lang="en-US" smtClean="0"/>
-              <a:t>3/11/2019</a:t>
+              <a:t>3/12/2019</a:t>
             </a:fld>
             <a:endParaRPr lang="en-US"/>
           </a:p>
@@ -1622,7 +1625,7 @@
           <a:p>
             <a:fld id="{804407A2-23EF-49C5-8128-F15B7ABA259B}" type="datetimeFigureOut">
               <a:rPr lang="en-US" smtClean="0"/>
-              <a:t>3/11/2019</a:t>
+              <a:t>3/12/2019</a:t>
             </a:fld>
             <a:endParaRPr lang="en-US"/>
           </a:p>
@@ -1740,7 +1743,7 @@
           <a:p>
             <a:fld id="{804407A2-23EF-49C5-8128-F15B7ABA259B}" type="datetimeFigureOut">
               <a:rPr lang="en-US" smtClean="0"/>
-              <a:t>3/11/2019</a:t>
+              <a:t>3/12/2019</a:t>
             </a:fld>
             <a:endParaRPr lang="en-US"/>
           </a:p>
@@ -1835,7 +1838,7 @@
           <a:p>
             <a:fld id="{804407A2-23EF-49C5-8128-F15B7ABA259B}" type="datetimeFigureOut">
               <a:rPr lang="en-US" smtClean="0"/>
-              <a:t>3/11/2019</a:t>
+              <a:t>3/12/2019</a:t>
             </a:fld>
             <a:endParaRPr lang="en-US"/>
           </a:p>
@@ -2112,7 +2115,7 @@
           <a:p>
             <a:fld id="{804407A2-23EF-49C5-8128-F15B7ABA259B}" type="datetimeFigureOut">
               <a:rPr lang="en-US" smtClean="0"/>
-              <a:t>3/11/2019</a:t>
+              <a:t>3/12/2019</a:t>
             </a:fld>
             <a:endParaRPr lang="en-US"/>
           </a:p>
@@ -2369,7 +2372,7 @@
           <a:p>
             <a:fld id="{804407A2-23EF-49C5-8128-F15B7ABA259B}" type="datetimeFigureOut">
               <a:rPr lang="en-US" smtClean="0"/>
-              <a:t>3/11/2019</a:t>
+              <a:t>3/12/2019</a:t>
             </a:fld>
             <a:endParaRPr lang="en-US"/>
           </a:p>
@@ -2582,7 +2585,7 @@
           <a:p>
             <a:fld id="{804407A2-23EF-49C5-8128-F15B7ABA259B}" type="datetimeFigureOut">
               <a:rPr lang="en-US" smtClean="0"/>
-              <a:t>3/11/2019</a:t>
+              <a:t>3/12/2019</a:t>
             </a:fld>
             <a:endParaRPr lang="en-US"/>
           </a:p>
@@ -2992,7 +2995,7 @@
           <p:cNvPr id="4" name="图片 3">
             <a:extLst>
               <a:ext uri="{FF2B5EF4-FFF2-40B4-BE49-F238E27FC236}">
-                <a16:creationId xmlns="" xmlns:a16="http://schemas.microsoft.com/office/drawing/2014/main" id="{F302D2A7-B0E1-4463-A322-6A9E5B9D8E9C}"/>
+                <a16:creationId xmlns:a16="http://schemas.microsoft.com/office/drawing/2014/main" id="{F302D2A7-B0E1-4463-A322-6A9E5B9D8E9C}"/>
               </a:ext>
             </a:extLst>
           </p:cNvPr>
@@ -3052,7 +3055,7 @@
           <p:cNvPr id="2" name="矩形 1">
             <a:extLst>
               <a:ext uri="{FF2B5EF4-FFF2-40B4-BE49-F238E27FC236}">
-                <a16:creationId xmlns="" xmlns:a16="http://schemas.microsoft.com/office/drawing/2014/main" id="{03E28A91-6F28-4914-83B7-FE3E106B7A94}"/>
+                <a16:creationId xmlns:a16="http://schemas.microsoft.com/office/drawing/2014/main" id="{03E28A91-6F28-4914-83B7-FE3E106B7A94}"/>
               </a:ext>
             </a:extLst>
           </p:cNvPr>
@@ -3258,16 +3261,6 @@
             </a:r>
           </a:p>
           <a:p>
-            <a:r>
-              <a:rPr lang="en-US" sz="2400" b="0" dirty="0">
-                <a:solidFill>
-                  <a:srgbClr val="D4D4D4"/>
-                </a:solidFill>
-                <a:effectLst/>
-                <a:latin typeface="Fira Code" panose="020B0509050000020004" pitchFamily="49" charset="0"/>
-              </a:rPr>
-              <a:t/>
-            </a:r>
             <a:br>
               <a:rPr lang="en-US" sz="2400" b="0" dirty="0">
                 <a:solidFill>
@@ -3534,7 +3527,7 @@
           <p:cNvPr id="4" name="矩形 3">
             <a:extLst>
               <a:ext uri="{FF2B5EF4-FFF2-40B4-BE49-F238E27FC236}">
-                <a16:creationId xmlns="" xmlns:a16="http://schemas.microsoft.com/office/drawing/2014/main" id="{BA1DBE00-CDE8-45D9-AB01-AEBD960B005F}"/>
+                <a16:creationId xmlns:a16="http://schemas.microsoft.com/office/drawing/2014/main" id="{BA1DBE00-CDE8-45D9-AB01-AEBD960B005F}"/>
               </a:ext>
             </a:extLst>
           </p:cNvPr>
@@ -3598,7 +3591,7 @@
           <p:cNvPr id="2" name="图片 1">
             <a:extLst>
               <a:ext uri="{FF2B5EF4-FFF2-40B4-BE49-F238E27FC236}">
-                <a16:creationId xmlns="" xmlns:a16="http://schemas.microsoft.com/office/drawing/2014/main" id="{31A8CB90-DED7-49DC-9C49-AB4AE818EDEA}"/>
+                <a16:creationId xmlns:a16="http://schemas.microsoft.com/office/drawing/2014/main" id="{31A8CB90-DED7-49DC-9C49-AB4AE818EDEA}"/>
               </a:ext>
             </a:extLst>
           </p:cNvPr>
@@ -3658,7 +3651,7 @@
           <p:cNvPr id="3" name="图片 2">
             <a:extLst>
               <a:ext uri="{FF2B5EF4-FFF2-40B4-BE49-F238E27FC236}">
-                <a16:creationId xmlns="" xmlns:a16="http://schemas.microsoft.com/office/drawing/2014/main" id="{9249D51D-3725-435A-AC44-55B583987ACD}"/>
+                <a16:creationId xmlns:a16="http://schemas.microsoft.com/office/drawing/2014/main" id="{9249D51D-3725-435A-AC44-55B583987ACD}"/>
               </a:ext>
             </a:extLst>
           </p:cNvPr>
@@ -3718,7 +3711,7 @@
           <p:cNvPr id="4" name="矩形 3">
             <a:extLst>
               <a:ext uri="{FF2B5EF4-FFF2-40B4-BE49-F238E27FC236}">
-                <a16:creationId xmlns="" xmlns:a16="http://schemas.microsoft.com/office/drawing/2014/main" id="{BA1DBE00-CDE8-45D9-AB01-AEBD960B005F}"/>
+                <a16:creationId xmlns:a16="http://schemas.microsoft.com/office/drawing/2014/main" id="{BA1DBE00-CDE8-45D9-AB01-AEBD960B005F}"/>
               </a:ext>
             </a:extLst>
           </p:cNvPr>
@@ -3741,10 +3734,9 @@
           <a:lstStyle/>
           <a:p>
             <a:r>
-              <a:rPr lang="en-US" sz="4000" dirty="0" smtClean="0"/>
+              <a:rPr lang="en-US" sz="4000" dirty="0"/>
               <a:t>Life cycle</a:t>
             </a:r>
-            <a:endParaRPr lang="en-US" sz="4000" dirty="0"/>
           </a:p>
         </p:txBody>
       </p:sp>
@@ -3903,7 +3895,7 @@
           <p:cNvPr id="3" name="矩形 2">
             <a:extLst>
               <a:ext uri="{FF2B5EF4-FFF2-40B4-BE49-F238E27FC236}">
-                <a16:creationId xmlns="" xmlns:a16="http://schemas.microsoft.com/office/drawing/2014/main" id="{BA1DBE00-CDE8-45D9-AB01-AEBD960B005F}"/>
+                <a16:creationId xmlns:a16="http://schemas.microsoft.com/office/drawing/2014/main" id="{BA1DBE00-CDE8-45D9-AB01-AEBD960B005F}"/>
               </a:ext>
             </a:extLst>
           </p:cNvPr>
@@ -3926,10 +3918,9 @@
           <a:lstStyle/>
           <a:p>
             <a:r>
-              <a:rPr lang="en-US" sz="4000" dirty="0" smtClean="0"/>
+              <a:rPr lang="en-US" sz="4000" dirty="0"/>
               <a:t>Type check</a:t>
             </a:r>
-            <a:endParaRPr lang="en-US" sz="4000" dirty="0"/>
           </a:p>
         </p:txBody>
       </p:sp>
@@ -3937,6 +3928,250 @@
     <p:extLst>
       <p:ext uri="{BB962C8B-B14F-4D97-AF65-F5344CB8AC3E}">
         <p14:creationId xmlns:p14="http://schemas.microsoft.com/office/powerpoint/2010/main" val="2231984315"/>
+      </p:ext>
+    </p:extLst>
+  </p:cSld>
+  <p:clrMapOvr>
+    <a:masterClrMapping/>
+  </p:clrMapOvr>
+</p:sld>
+</file>
+
+<file path=ppt/slides/slide16.xml><?xml version="1.0" encoding="utf-8"?>
+<p:sld xmlns:a="http://schemas.openxmlformats.org/drawingml/2006/main" xmlns:r="http://schemas.openxmlformats.org/officeDocument/2006/relationships" xmlns:p="http://schemas.openxmlformats.org/presentationml/2006/main">
+  <p:cSld>
+    <p:spTree>
+      <p:nvGrpSpPr>
+        <p:cNvPr id="1" name=""/>
+        <p:cNvGrpSpPr/>
+        <p:nvPr/>
+      </p:nvGrpSpPr>
+      <p:grpSpPr>
+        <a:xfrm>
+          <a:off x="0" y="0"/>
+          <a:ext cx="0" cy="0"/>
+          <a:chOff x="0" y="0"/>
+          <a:chExt cx="0" cy="0"/>
+        </a:xfrm>
+      </p:grpSpPr>
+      <p:sp>
+        <p:nvSpPr>
+          <p:cNvPr id="3" name="矩形 2">
+            <a:extLst>
+              <a:ext uri="{FF2B5EF4-FFF2-40B4-BE49-F238E27FC236}">
+                <a16:creationId xmlns:a16="http://schemas.microsoft.com/office/drawing/2014/main" id="{BA1DBE00-CDE8-45D9-AB01-AEBD960B005F}"/>
+              </a:ext>
+            </a:extLst>
+          </p:cNvPr>
+          <p:cNvSpPr/>
+          <p:nvPr/>
+        </p:nvSpPr>
+        <p:spPr>
+          <a:xfrm>
+            <a:off x="429986" y="880963"/>
+            <a:ext cx="1793183" cy="707886"/>
+          </a:xfrm>
+          <a:prstGeom prst="rect">
+            <a:avLst/>
+          </a:prstGeom>
+        </p:spPr>
+        <p:txBody>
+          <a:bodyPr wrap="none">
+            <a:spAutoFit/>
+          </a:bodyPr>
+          <a:lstStyle/>
+          <a:p>
+            <a:r>
+              <a:rPr lang="en-US" sz="4000" dirty="0"/>
+              <a:t>Routing</a:t>
+            </a:r>
+          </a:p>
+        </p:txBody>
+      </p:sp>
+      <p:pic>
+        <p:nvPicPr>
+          <p:cNvPr id="4" name="图片 3">
+            <a:extLst>
+              <a:ext uri="{FF2B5EF4-FFF2-40B4-BE49-F238E27FC236}">
+                <a16:creationId xmlns:a16="http://schemas.microsoft.com/office/drawing/2014/main" id="{411A16F7-964F-4464-9FFD-A2875776E02A}"/>
+              </a:ext>
+            </a:extLst>
+          </p:cNvPr>
+          <p:cNvPicPr>
+            <a:picLocks noChangeAspect="1"/>
+          </p:cNvPicPr>
+          <p:nvPr/>
+        </p:nvPicPr>
+        <p:blipFill>
+          <a:blip r:embed="rId2"/>
+          <a:stretch>
+            <a:fillRect/>
+          </a:stretch>
+        </p:blipFill>
+        <p:spPr>
+          <a:xfrm>
+            <a:off x="1730671" y="1714931"/>
+            <a:ext cx="8107899" cy="4432649"/>
+          </a:xfrm>
+          <a:prstGeom prst="rect">
+            <a:avLst/>
+          </a:prstGeom>
+        </p:spPr>
+      </p:pic>
+    </p:spTree>
+    <p:extLst>
+      <p:ext uri="{BB962C8B-B14F-4D97-AF65-F5344CB8AC3E}">
+        <p14:creationId xmlns:p14="http://schemas.microsoft.com/office/powerpoint/2010/main" val="2074278914"/>
+      </p:ext>
+    </p:extLst>
+  </p:cSld>
+  <p:clrMapOvr>
+    <a:masterClrMapping/>
+  </p:clrMapOvr>
+</p:sld>
+</file>
+
+<file path=ppt/slides/slide17.xml><?xml version="1.0" encoding="utf-8"?>
+<p:sld xmlns:a="http://schemas.openxmlformats.org/drawingml/2006/main" xmlns:r="http://schemas.openxmlformats.org/officeDocument/2006/relationships" xmlns:p="http://schemas.openxmlformats.org/presentationml/2006/main">
+  <p:cSld>
+    <p:spTree>
+      <p:nvGrpSpPr>
+        <p:cNvPr id="1" name=""/>
+        <p:cNvGrpSpPr/>
+        <p:nvPr/>
+      </p:nvGrpSpPr>
+      <p:grpSpPr>
+        <a:xfrm>
+          <a:off x="0" y="0"/>
+          <a:ext cx="0" cy="0"/>
+          <a:chOff x="0" y="0"/>
+          <a:chExt cx="0" cy="0"/>
+        </a:xfrm>
+      </p:grpSpPr>
+      <p:pic>
+        <p:nvPicPr>
+          <p:cNvPr id="2" name="图片 1">
+            <a:extLst>
+              <a:ext uri="{FF2B5EF4-FFF2-40B4-BE49-F238E27FC236}">
+                <a16:creationId xmlns:a16="http://schemas.microsoft.com/office/drawing/2014/main" id="{BFE2F4D4-7AB7-492A-BD84-3ED85C8800C0}"/>
+              </a:ext>
+            </a:extLst>
+          </p:cNvPr>
+          <p:cNvPicPr>
+            <a:picLocks noChangeAspect="1"/>
+          </p:cNvPicPr>
+          <p:nvPr/>
+        </p:nvPicPr>
+        <p:blipFill>
+          <a:blip r:embed="rId2"/>
+          <a:stretch>
+            <a:fillRect/>
+          </a:stretch>
+        </p:blipFill>
+        <p:spPr>
+          <a:xfrm>
+            <a:off x="1094498" y="1071579"/>
+            <a:ext cx="9600285" cy="4714841"/>
+          </a:xfrm>
+          <a:prstGeom prst="rect">
+            <a:avLst/>
+          </a:prstGeom>
+        </p:spPr>
+      </p:pic>
+    </p:spTree>
+    <p:extLst>
+      <p:ext uri="{BB962C8B-B14F-4D97-AF65-F5344CB8AC3E}">
+        <p14:creationId xmlns:p14="http://schemas.microsoft.com/office/powerpoint/2010/main" val="905520803"/>
+      </p:ext>
+    </p:extLst>
+  </p:cSld>
+  <p:clrMapOvr>
+    <a:masterClrMapping/>
+  </p:clrMapOvr>
+</p:sld>
+</file>
+
+<file path=ppt/slides/slide18.xml><?xml version="1.0" encoding="utf-8"?>
+<p:sld xmlns:a="http://schemas.openxmlformats.org/drawingml/2006/main" xmlns:r="http://schemas.openxmlformats.org/officeDocument/2006/relationships" xmlns:p="http://schemas.openxmlformats.org/presentationml/2006/main">
+  <p:cSld>
+    <p:spTree>
+      <p:nvGrpSpPr>
+        <p:cNvPr id="1" name=""/>
+        <p:cNvGrpSpPr/>
+        <p:nvPr/>
+      </p:nvGrpSpPr>
+      <p:grpSpPr>
+        <a:xfrm>
+          <a:off x="0" y="0"/>
+          <a:ext cx="0" cy="0"/>
+          <a:chOff x="0" y="0"/>
+          <a:chExt cx="0" cy="0"/>
+        </a:xfrm>
+      </p:grpSpPr>
+      <p:pic>
+        <p:nvPicPr>
+          <p:cNvPr id="3" name="图片 2">
+            <a:extLst>
+              <a:ext uri="{FF2B5EF4-FFF2-40B4-BE49-F238E27FC236}">
+                <a16:creationId xmlns:a16="http://schemas.microsoft.com/office/drawing/2014/main" id="{96BE192E-1ED5-41C2-A4B1-21A5118F69E1}"/>
+              </a:ext>
+            </a:extLst>
+          </p:cNvPr>
+          <p:cNvPicPr>
+            <a:picLocks noChangeAspect="1"/>
+          </p:cNvPicPr>
+          <p:nvPr/>
+        </p:nvPicPr>
+        <p:blipFill>
+          <a:blip r:embed="rId2"/>
+          <a:stretch>
+            <a:fillRect/>
+          </a:stretch>
+        </p:blipFill>
+        <p:spPr>
+          <a:xfrm>
+            <a:off x="1074800" y="595400"/>
+            <a:ext cx="10042399" cy="2497856"/>
+          </a:xfrm>
+          <a:prstGeom prst="rect">
+            <a:avLst/>
+          </a:prstGeom>
+        </p:spPr>
+      </p:pic>
+      <p:pic>
+        <p:nvPicPr>
+          <p:cNvPr id="4" name="图片 3">
+            <a:extLst>
+              <a:ext uri="{FF2B5EF4-FFF2-40B4-BE49-F238E27FC236}">
+                <a16:creationId xmlns:a16="http://schemas.microsoft.com/office/drawing/2014/main" id="{67A76491-80D6-4EC6-BF8A-A106587D5564}"/>
+              </a:ext>
+            </a:extLst>
+          </p:cNvPr>
+          <p:cNvPicPr>
+            <a:picLocks noChangeAspect="1"/>
+          </p:cNvPicPr>
+          <p:nvPr/>
+        </p:nvPicPr>
+        <p:blipFill>
+          <a:blip r:embed="rId3"/>
+          <a:stretch>
+            <a:fillRect/>
+          </a:stretch>
+        </p:blipFill>
+        <p:spPr>
+          <a:xfrm>
+            <a:off x="1074800" y="3428999"/>
+            <a:ext cx="10042399" cy="2602865"/>
+          </a:xfrm>
+          <a:prstGeom prst="rect">
+            <a:avLst/>
+          </a:prstGeom>
+        </p:spPr>
+      </p:pic>
+    </p:spTree>
+    <p:extLst>
+      <p:ext uri="{BB962C8B-B14F-4D97-AF65-F5344CB8AC3E}">
+        <p14:creationId xmlns:p14="http://schemas.microsoft.com/office/powerpoint/2010/main" val="1730984268"/>
       </p:ext>
     </p:extLst>
   </p:cSld>
@@ -3968,7 +4203,7 @@
           <p:cNvPr id="2" name="图片 1">
             <a:extLst>
               <a:ext uri="{FF2B5EF4-FFF2-40B4-BE49-F238E27FC236}">
-                <a16:creationId xmlns="" xmlns:a16="http://schemas.microsoft.com/office/drawing/2014/main" id="{F51075CE-680D-49C7-86DD-994A800EB58A}"/>
+                <a16:creationId xmlns:a16="http://schemas.microsoft.com/office/drawing/2014/main" id="{F51075CE-680D-49C7-86DD-994A800EB58A}"/>
               </a:ext>
             </a:extLst>
           </p:cNvPr>
@@ -4028,7 +4263,7 @@
           <p:cNvPr id="3" name="图片 2">
             <a:extLst>
               <a:ext uri="{FF2B5EF4-FFF2-40B4-BE49-F238E27FC236}">
-                <a16:creationId xmlns="" xmlns:a16="http://schemas.microsoft.com/office/drawing/2014/main" id="{20E63A52-6718-4A13-93B7-3E314F4AF782}"/>
+                <a16:creationId xmlns:a16="http://schemas.microsoft.com/office/drawing/2014/main" id="{20E63A52-6718-4A13-93B7-3E314F4AF782}"/>
               </a:ext>
             </a:extLst>
           </p:cNvPr>
@@ -4088,7 +4323,7 @@
           <p:cNvPr id="2" name="图片 1">
             <a:extLst>
               <a:ext uri="{FF2B5EF4-FFF2-40B4-BE49-F238E27FC236}">
-                <a16:creationId xmlns="" xmlns:a16="http://schemas.microsoft.com/office/drawing/2014/main" id="{F5BB5D40-B05A-4C3C-B5F0-957C4D5CE1F2}"/>
+                <a16:creationId xmlns:a16="http://schemas.microsoft.com/office/drawing/2014/main" id="{F5BB5D40-B05A-4C3C-B5F0-957C4D5CE1F2}"/>
               </a:ext>
             </a:extLst>
           </p:cNvPr>
@@ -4148,7 +4383,7 @@
           <p:cNvPr id="3" name="图片 2">
             <a:extLst>
               <a:ext uri="{FF2B5EF4-FFF2-40B4-BE49-F238E27FC236}">
-                <a16:creationId xmlns="" xmlns:a16="http://schemas.microsoft.com/office/drawing/2014/main" id="{A94A0126-6843-48B2-A9D8-81FDF0C841DB}"/>
+                <a16:creationId xmlns:a16="http://schemas.microsoft.com/office/drawing/2014/main" id="{A94A0126-6843-48B2-A9D8-81FDF0C841DB}"/>
               </a:ext>
             </a:extLst>
           </p:cNvPr>
@@ -4208,7 +4443,7 @@
           <p:cNvPr id="2" name="图片 1">
             <a:extLst>
               <a:ext uri="{FF2B5EF4-FFF2-40B4-BE49-F238E27FC236}">
-                <a16:creationId xmlns="" xmlns:a16="http://schemas.microsoft.com/office/drawing/2014/main" id="{78593493-B98B-42BA-BDF1-E73C4000D92F}"/>
+                <a16:creationId xmlns:a16="http://schemas.microsoft.com/office/drawing/2014/main" id="{78593493-B98B-42BA-BDF1-E73C4000D92F}"/>
               </a:ext>
             </a:extLst>
           </p:cNvPr>
@@ -4268,7 +4503,7 @@
           <p:cNvPr id="2" name="图片 1">
             <a:extLst>
               <a:ext uri="{FF2B5EF4-FFF2-40B4-BE49-F238E27FC236}">
-                <a16:creationId xmlns="" xmlns:a16="http://schemas.microsoft.com/office/drawing/2014/main" id="{78593493-B98B-42BA-BDF1-E73C4000D92F}"/>
+                <a16:creationId xmlns:a16="http://schemas.microsoft.com/office/drawing/2014/main" id="{78593493-B98B-42BA-BDF1-E73C4000D92F}"/>
               </a:ext>
             </a:extLst>
           </p:cNvPr>
@@ -4328,7 +4563,7 @@
           <p:cNvPr id="3" name="图片 2">
             <a:extLst>
               <a:ext uri="{FF2B5EF4-FFF2-40B4-BE49-F238E27FC236}">
-                <a16:creationId xmlns="" xmlns:a16="http://schemas.microsoft.com/office/drawing/2014/main" id="{35106E90-F525-429D-AC80-F864AB1C878C}"/>
+                <a16:creationId xmlns:a16="http://schemas.microsoft.com/office/drawing/2014/main" id="{35106E90-F525-429D-AC80-F864AB1C878C}"/>
               </a:ext>
             </a:extLst>
           </p:cNvPr>
@@ -4388,7 +4623,7 @@
           <p:cNvPr id="3" name="图片 2">
             <a:extLst>
               <a:ext uri="{FF2B5EF4-FFF2-40B4-BE49-F238E27FC236}">
-                <a16:creationId xmlns="" xmlns:a16="http://schemas.microsoft.com/office/drawing/2014/main" id="{F8BAC9F4-5A8A-4EE4-B631-8BC45E03E8FA}"/>
+                <a16:creationId xmlns:a16="http://schemas.microsoft.com/office/drawing/2014/main" id="{F8BAC9F4-5A8A-4EE4-B631-8BC45E03E8FA}"/>
               </a:ext>
             </a:extLst>
           </p:cNvPr>

--- a/documents/react.pptx
+++ b/documents/react.pptx
@@ -23,6 +23,7 @@
     <p:sldId id="271" r:id="rId17"/>
     <p:sldId id="272" r:id="rId18"/>
     <p:sldId id="273" r:id="rId19"/>
+    <p:sldId id="274" r:id="rId20"/>
   </p:sldIdLst>
   <p:sldSz cx="12192000" cy="6858000"/>
   <p:notesSz cx="6858000" cy="9144000"/>
@@ -4172,6 +4173,100 @@
     <p:extLst>
       <p:ext uri="{BB962C8B-B14F-4D97-AF65-F5344CB8AC3E}">
         <p14:creationId xmlns:p14="http://schemas.microsoft.com/office/powerpoint/2010/main" val="1730984268"/>
+      </p:ext>
+    </p:extLst>
+  </p:cSld>
+  <p:clrMapOvr>
+    <a:masterClrMapping/>
+  </p:clrMapOvr>
+</p:sld>
+</file>
+
+<file path=ppt/slides/slide19.xml><?xml version="1.0" encoding="utf-8"?>
+<p:sld xmlns:a="http://schemas.openxmlformats.org/drawingml/2006/main" xmlns:r="http://schemas.openxmlformats.org/officeDocument/2006/relationships" xmlns:p="http://schemas.openxmlformats.org/presentationml/2006/main">
+  <p:cSld>
+    <p:spTree>
+      <p:nvGrpSpPr>
+        <p:cNvPr id="1" name=""/>
+        <p:cNvGrpSpPr/>
+        <p:nvPr/>
+      </p:nvGrpSpPr>
+      <p:grpSpPr>
+        <a:xfrm>
+          <a:off x="0" y="0"/>
+          <a:ext cx="0" cy="0"/>
+          <a:chOff x="0" y="0"/>
+          <a:chExt cx="0" cy="0"/>
+        </a:xfrm>
+      </p:grpSpPr>
+      <p:sp>
+        <p:nvSpPr>
+          <p:cNvPr id="3" name="矩形 2">
+            <a:extLst>
+              <a:ext uri="{FF2B5EF4-FFF2-40B4-BE49-F238E27FC236}">
+                <a16:creationId xmlns:a16="http://schemas.microsoft.com/office/drawing/2014/main" id="{BA1DBE00-CDE8-45D9-AB01-AEBD960B005F}"/>
+              </a:ext>
+            </a:extLst>
+          </p:cNvPr>
+          <p:cNvSpPr/>
+          <p:nvPr/>
+        </p:nvSpPr>
+        <p:spPr>
+          <a:xfrm>
+            <a:off x="584730" y="543338"/>
+            <a:ext cx="736099" cy="707886"/>
+          </a:xfrm>
+          <a:prstGeom prst="rect">
+            <a:avLst/>
+          </a:prstGeom>
+        </p:spPr>
+        <p:txBody>
+          <a:bodyPr wrap="none">
+            <a:spAutoFit/>
+          </a:bodyPr>
+          <a:lstStyle/>
+          <a:p>
+            <a:r>
+              <a:rPr lang="en-US" sz="4000" dirty="0"/>
+              <a:t>Joi</a:t>
+            </a:r>
+          </a:p>
+        </p:txBody>
+      </p:sp>
+      <p:pic>
+        <p:nvPicPr>
+          <p:cNvPr id="2" name="图片 1">
+            <a:extLst>
+              <a:ext uri="{FF2B5EF4-FFF2-40B4-BE49-F238E27FC236}">
+                <a16:creationId xmlns:a16="http://schemas.microsoft.com/office/drawing/2014/main" id="{0B9AC56A-0B20-46B2-8705-FB63562E2FB9}"/>
+              </a:ext>
+            </a:extLst>
+          </p:cNvPr>
+          <p:cNvPicPr>
+            <a:picLocks noChangeAspect="1"/>
+          </p:cNvPicPr>
+          <p:nvPr/>
+        </p:nvPicPr>
+        <p:blipFill>
+          <a:blip r:embed="rId2"/>
+          <a:stretch>
+            <a:fillRect/>
+          </a:stretch>
+        </p:blipFill>
+        <p:spPr>
+          <a:xfrm>
+            <a:off x="1320829" y="1716259"/>
+            <a:ext cx="8856995" cy="2408198"/>
+          </a:xfrm>
+          <a:prstGeom prst="rect">
+            <a:avLst/>
+          </a:prstGeom>
+        </p:spPr>
+      </p:pic>
+    </p:spTree>
+    <p:extLst>
+      <p:ext uri="{BB962C8B-B14F-4D97-AF65-F5344CB8AC3E}">
+        <p14:creationId xmlns:p14="http://schemas.microsoft.com/office/powerpoint/2010/main" val="3888572267"/>
       </p:ext>
     </p:extLst>
   </p:cSld>
